--- a/docs/MSOrganiser_Logo.pptx
+++ b/docs/MSOrganiser_Logo.pptx
@@ -7,6 +7,7 @@
   <p:sldIdLst>
     <p:sldId id="257" r:id="rId2"/>
     <p:sldId id="258" r:id="rId3"/>
+    <p:sldId id="259" r:id="rId4"/>
   </p:sldIdLst>
   <p:sldSz cx="12192000" cy="6858000"/>
   <p:notesSz cx="6858000" cy="9144000"/>
@@ -14217,6 +14218,72 @@
 </p:sld>
 </file>
 
+<file path=ppt/slides/slide3.xml><?xml version="1.0" encoding="utf-8"?>
+<p:sld xmlns:a="http://schemas.openxmlformats.org/drawingml/2006/main" xmlns:r="http://schemas.openxmlformats.org/officeDocument/2006/relationships" xmlns:p="http://schemas.openxmlformats.org/presentationml/2006/main">
+  <p:cSld>
+    <p:spTree>
+      <p:nvGrpSpPr>
+        <p:cNvPr id="1" name=""/>
+        <p:cNvGrpSpPr/>
+        <p:nvPr/>
+      </p:nvGrpSpPr>
+      <p:grpSpPr>
+        <a:xfrm>
+          <a:off x="0" y="0"/>
+          <a:ext cx="0" cy="0"/>
+          <a:chOff x="0" y="0"/>
+          <a:chExt cx="0" cy="0"/>
+        </a:xfrm>
+      </p:grpSpPr>
+      <p:pic>
+        <p:nvPicPr>
+          <p:cNvPr id="3" name="Picture 2">
+            <a:extLst>
+              <a:ext uri="{FF2B5EF4-FFF2-40B4-BE49-F238E27FC236}">
+                <a16:creationId xmlns:a16="http://schemas.microsoft.com/office/drawing/2014/main" id="{EF573161-6574-491A-940E-2BFC253EBAD7}"/>
+              </a:ext>
+            </a:extLst>
+          </p:cNvPr>
+          <p:cNvPicPr>
+            <a:picLocks noChangeAspect="1"/>
+          </p:cNvPicPr>
+          <p:nvPr/>
+        </p:nvPicPr>
+        <p:blipFill>
+          <a:blip r:embed="rId2">
+            <a:extLst>
+              <a:ext uri="{28A0092B-C50C-407E-A947-70E740481C1C}">
+                <a14:useLocalDpi xmlns:a14="http://schemas.microsoft.com/office/drawing/2010/main" val="0"/>
+              </a:ext>
+            </a:extLst>
+          </a:blip>
+          <a:stretch>
+            <a:fillRect/>
+          </a:stretch>
+        </p:blipFill>
+        <p:spPr>
+          <a:xfrm>
+            <a:off x="3652606" y="407086"/>
+            <a:ext cx="5247554" cy="6043827"/>
+          </a:xfrm>
+          <a:prstGeom prst="rect">
+            <a:avLst/>
+          </a:prstGeom>
+        </p:spPr>
+      </p:pic>
+    </p:spTree>
+    <p:extLst>
+      <p:ext uri="{BB962C8B-B14F-4D97-AF65-F5344CB8AC3E}">
+        <p14:creationId xmlns:p14="http://schemas.microsoft.com/office/powerpoint/2010/main" val="3143137017"/>
+      </p:ext>
+    </p:extLst>
+  </p:cSld>
+  <p:clrMapOvr>
+    <a:masterClrMapping/>
+  </p:clrMapOvr>
+</p:sld>
+</file>
+
 <file path=ppt/theme/theme1.xml><?xml version="1.0" encoding="utf-8"?>
 <a:theme xmlns:a="http://schemas.openxmlformats.org/drawingml/2006/main" name="Office Theme">
   <a:themeElements>

--- a/docs/MSOrganiser_Logo.pptx
+++ b/docs/MSOrganiser_Logo.pptx
@@ -8663,7 +8663,7 @@
         </p:nvSpPr>
         <p:spPr>
           <a:xfrm>
-            <a:off x="5669156" y="4952621"/>
+            <a:off x="7028708" y="3689454"/>
             <a:ext cx="1148144" cy="733534"/>
           </a:xfrm>
           <a:prstGeom prst="rect">
@@ -8736,10 +8736,10 @@
       </p:grpSpPr>
       <p:grpSp>
         <p:nvGrpSpPr>
-          <p:cNvPr id="399" name="Group 398">
+          <p:cNvPr id="2" name="Group 1">
             <a:extLst>
               <a:ext uri="{FF2B5EF4-FFF2-40B4-BE49-F238E27FC236}">
-                <a16:creationId xmlns:a16="http://schemas.microsoft.com/office/drawing/2014/main" id="{A57F5A98-0F3B-4905-83A4-7DFBD4915039}"/>
+                <a16:creationId xmlns:a16="http://schemas.microsoft.com/office/drawing/2014/main" id="{E8B5E60B-93FA-4A25-9B83-0136D73A76CC}"/>
               </a:ext>
             </a:extLst>
           </p:cNvPr>
@@ -8831,7 +8831,7 @@
           </p:nvSpPr>
           <p:spPr>
             <a:xfrm>
-              <a:off x="4945167" y="3796164"/>
+              <a:off x="4968027" y="3816484"/>
               <a:ext cx="2237351" cy="392672"/>
             </a:xfrm>
             <a:prstGeom prst="rect">
@@ -8876,7 +8876,7 @@
           </p:nvGrpSpPr>
           <p:grpSpPr>
             <a:xfrm>
-              <a:off x="5191555" y="2731702"/>
+              <a:off x="5222035" y="2711382"/>
               <a:ext cx="1894293" cy="1094534"/>
               <a:chOff x="3648093" y="992224"/>
               <a:chExt cx="5173433" cy="3553466"/>
@@ -14176,7 +14176,7 @@
           </p:nvSpPr>
           <p:spPr>
             <a:xfrm>
-              <a:off x="6359858" y="3465222"/>
+              <a:off x="6390338" y="3444902"/>
               <a:ext cx="516101" cy="348813"/>
             </a:xfrm>
             <a:prstGeom prst="rect">
@@ -14237,10 +14237,10 @@
       </p:grpSpPr>
       <p:pic>
         <p:nvPicPr>
-          <p:cNvPr id="3" name="Picture 2">
+          <p:cNvPr id="4" name="Picture 3">
             <a:extLst>
               <a:ext uri="{FF2B5EF4-FFF2-40B4-BE49-F238E27FC236}">
-                <a16:creationId xmlns:a16="http://schemas.microsoft.com/office/drawing/2014/main" id="{EF573161-6574-491A-940E-2BFC253EBAD7}"/>
+                <a16:creationId xmlns:a16="http://schemas.microsoft.com/office/drawing/2014/main" id="{CF152AA9-8729-44D9-946F-F1BC48F59B3D}"/>
               </a:ext>
             </a:extLst>
           </p:cNvPr>
@@ -14263,8 +14263,8 @@
         </p:blipFill>
         <p:spPr>
           <a:xfrm>
-            <a:off x="3652606" y="407086"/>
-            <a:ext cx="5247554" cy="6043827"/>
+            <a:off x="3472543" y="419993"/>
+            <a:ext cx="5236027" cy="6030550"/>
           </a:xfrm>
           <a:prstGeom prst="rect">
             <a:avLst/>
